--- a/рубеж 3/презы/ЦАП на DAP.pptx
+++ b/рубеж 3/презы/ЦАП на DAP.pptx
@@ -122,6 +122,11 @@
       </a:defRPr>
     </a:lvl9pPr>
   </p:defaultTextStyle>
+  <p:extLst>
+    <p:ext uri="{EFAFB233-063F-42B5-8137-9DF3F51BA10A}">
+      <p15:sldGuideLst xmlns:p15="http://schemas.microsoft.com/office/powerpoint/2012/main"/>
+    </p:ext>
+  </p:extLst>
 </p:presentation>
 </file>
 
@@ -256,7 +261,7 @@
           <a:p>
             <a:fld id="{5E19E28C-3C9B-47CC-BCC7-69B5EB7D9F8A}" type="datetimeFigureOut">
               <a:rPr lang="ru-RU" smtClean="0"/>
-              <a:t>09.05.2021</a:t>
+              <a:t>11.05.2021</a:t>
             </a:fld>
             <a:endParaRPr lang="ru-RU"/>
           </a:p>
@@ -426,7 +431,7 @@
           <a:p>
             <a:fld id="{5E19E28C-3C9B-47CC-BCC7-69B5EB7D9F8A}" type="datetimeFigureOut">
               <a:rPr lang="ru-RU" smtClean="0"/>
-              <a:t>09.05.2021</a:t>
+              <a:t>11.05.2021</a:t>
             </a:fld>
             <a:endParaRPr lang="ru-RU"/>
           </a:p>
@@ -606,7 +611,7 @@
           <a:p>
             <a:fld id="{5E19E28C-3C9B-47CC-BCC7-69B5EB7D9F8A}" type="datetimeFigureOut">
               <a:rPr lang="ru-RU" smtClean="0"/>
-              <a:t>09.05.2021</a:t>
+              <a:t>11.05.2021</a:t>
             </a:fld>
             <a:endParaRPr lang="ru-RU"/>
           </a:p>
@@ -776,7 +781,7 @@
           <a:p>
             <a:fld id="{5E19E28C-3C9B-47CC-BCC7-69B5EB7D9F8A}" type="datetimeFigureOut">
               <a:rPr lang="ru-RU" smtClean="0"/>
-              <a:t>09.05.2021</a:t>
+              <a:t>11.05.2021</a:t>
             </a:fld>
             <a:endParaRPr lang="ru-RU"/>
           </a:p>
@@ -1022,7 +1027,7 @@
           <a:p>
             <a:fld id="{5E19E28C-3C9B-47CC-BCC7-69B5EB7D9F8A}" type="datetimeFigureOut">
               <a:rPr lang="ru-RU" smtClean="0"/>
-              <a:t>09.05.2021</a:t>
+              <a:t>11.05.2021</a:t>
             </a:fld>
             <a:endParaRPr lang="ru-RU"/>
           </a:p>
@@ -1254,7 +1259,7 @@
           <a:p>
             <a:fld id="{5E19E28C-3C9B-47CC-BCC7-69B5EB7D9F8A}" type="datetimeFigureOut">
               <a:rPr lang="ru-RU" smtClean="0"/>
-              <a:t>09.05.2021</a:t>
+              <a:t>11.05.2021</a:t>
             </a:fld>
             <a:endParaRPr lang="ru-RU"/>
           </a:p>
@@ -1621,7 +1626,7 @@
           <a:p>
             <a:fld id="{5E19E28C-3C9B-47CC-BCC7-69B5EB7D9F8A}" type="datetimeFigureOut">
               <a:rPr lang="ru-RU" smtClean="0"/>
-              <a:t>09.05.2021</a:t>
+              <a:t>11.05.2021</a:t>
             </a:fld>
             <a:endParaRPr lang="ru-RU"/>
           </a:p>
@@ -1739,7 +1744,7 @@
           <a:p>
             <a:fld id="{5E19E28C-3C9B-47CC-BCC7-69B5EB7D9F8A}" type="datetimeFigureOut">
               <a:rPr lang="ru-RU" smtClean="0"/>
-              <a:t>09.05.2021</a:t>
+              <a:t>11.05.2021</a:t>
             </a:fld>
             <a:endParaRPr lang="ru-RU"/>
           </a:p>
@@ -1834,7 +1839,7 @@
           <a:p>
             <a:fld id="{5E19E28C-3C9B-47CC-BCC7-69B5EB7D9F8A}" type="datetimeFigureOut">
               <a:rPr lang="ru-RU" smtClean="0"/>
-              <a:t>09.05.2021</a:t>
+              <a:t>11.05.2021</a:t>
             </a:fld>
             <a:endParaRPr lang="ru-RU"/>
           </a:p>
@@ -2111,7 +2116,7 @@
           <a:p>
             <a:fld id="{5E19E28C-3C9B-47CC-BCC7-69B5EB7D9F8A}" type="datetimeFigureOut">
               <a:rPr lang="ru-RU" smtClean="0"/>
-              <a:t>09.05.2021</a:t>
+              <a:t>11.05.2021</a:t>
             </a:fld>
             <a:endParaRPr lang="ru-RU"/>
           </a:p>
@@ -2364,7 +2369,7 @@
           <a:p>
             <a:fld id="{5E19E28C-3C9B-47CC-BCC7-69B5EB7D9F8A}" type="datetimeFigureOut">
               <a:rPr lang="ru-RU" smtClean="0"/>
-              <a:t>09.05.2021</a:t>
+              <a:t>11.05.2021</a:t>
             </a:fld>
             <a:endParaRPr lang="ru-RU"/>
           </a:p>
@@ -2577,7 +2582,7 @@
           <a:p>
             <a:fld id="{5E19E28C-3C9B-47CC-BCC7-69B5EB7D9F8A}" type="datetimeFigureOut">
               <a:rPr lang="ru-RU" smtClean="0"/>
-              <a:t>09.05.2021</a:t>
+              <a:t>11.05.2021</a:t>
             </a:fld>
             <a:endParaRPr lang="ru-RU"/>
           </a:p>

--- a/рубеж 3/презы/ЦАП на DAP.pptx
+++ b/рубеж 3/презы/ЦАП на DAP.pptx
@@ -261,7 +261,7 @@
           <a:p>
             <a:fld id="{5E19E28C-3C9B-47CC-BCC7-69B5EB7D9F8A}" type="datetimeFigureOut">
               <a:rPr lang="ru-RU" smtClean="0"/>
-              <a:t>11.05.2021</a:t>
+              <a:t>12.05.2021</a:t>
             </a:fld>
             <a:endParaRPr lang="ru-RU"/>
           </a:p>
@@ -431,7 +431,7 @@
           <a:p>
             <a:fld id="{5E19E28C-3C9B-47CC-BCC7-69B5EB7D9F8A}" type="datetimeFigureOut">
               <a:rPr lang="ru-RU" smtClean="0"/>
-              <a:t>11.05.2021</a:t>
+              <a:t>12.05.2021</a:t>
             </a:fld>
             <a:endParaRPr lang="ru-RU"/>
           </a:p>
@@ -611,7 +611,7 @@
           <a:p>
             <a:fld id="{5E19E28C-3C9B-47CC-BCC7-69B5EB7D9F8A}" type="datetimeFigureOut">
               <a:rPr lang="ru-RU" smtClean="0"/>
-              <a:t>11.05.2021</a:t>
+              <a:t>12.05.2021</a:t>
             </a:fld>
             <a:endParaRPr lang="ru-RU"/>
           </a:p>
@@ -781,7 +781,7 @@
           <a:p>
             <a:fld id="{5E19E28C-3C9B-47CC-BCC7-69B5EB7D9F8A}" type="datetimeFigureOut">
               <a:rPr lang="ru-RU" smtClean="0"/>
-              <a:t>11.05.2021</a:t>
+              <a:t>12.05.2021</a:t>
             </a:fld>
             <a:endParaRPr lang="ru-RU"/>
           </a:p>
@@ -1027,7 +1027,7 @@
           <a:p>
             <a:fld id="{5E19E28C-3C9B-47CC-BCC7-69B5EB7D9F8A}" type="datetimeFigureOut">
               <a:rPr lang="ru-RU" smtClean="0"/>
-              <a:t>11.05.2021</a:t>
+              <a:t>12.05.2021</a:t>
             </a:fld>
             <a:endParaRPr lang="ru-RU"/>
           </a:p>
@@ -1259,7 +1259,7 @@
           <a:p>
             <a:fld id="{5E19E28C-3C9B-47CC-BCC7-69B5EB7D9F8A}" type="datetimeFigureOut">
               <a:rPr lang="ru-RU" smtClean="0"/>
-              <a:t>11.05.2021</a:t>
+              <a:t>12.05.2021</a:t>
             </a:fld>
             <a:endParaRPr lang="ru-RU"/>
           </a:p>
@@ -1626,7 +1626,7 @@
           <a:p>
             <a:fld id="{5E19E28C-3C9B-47CC-BCC7-69B5EB7D9F8A}" type="datetimeFigureOut">
               <a:rPr lang="ru-RU" smtClean="0"/>
-              <a:t>11.05.2021</a:t>
+              <a:t>12.05.2021</a:t>
             </a:fld>
             <a:endParaRPr lang="ru-RU"/>
           </a:p>
@@ -1744,7 +1744,7 @@
           <a:p>
             <a:fld id="{5E19E28C-3C9B-47CC-BCC7-69B5EB7D9F8A}" type="datetimeFigureOut">
               <a:rPr lang="ru-RU" smtClean="0"/>
-              <a:t>11.05.2021</a:t>
+              <a:t>12.05.2021</a:t>
             </a:fld>
             <a:endParaRPr lang="ru-RU"/>
           </a:p>
@@ -1839,7 +1839,7 @@
           <a:p>
             <a:fld id="{5E19E28C-3C9B-47CC-BCC7-69B5EB7D9F8A}" type="datetimeFigureOut">
               <a:rPr lang="ru-RU" smtClean="0"/>
-              <a:t>11.05.2021</a:t>
+              <a:t>12.05.2021</a:t>
             </a:fld>
             <a:endParaRPr lang="ru-RU"/>
           </a:p>
@@ -2116,7 +2116,7 @@
           <a:p>
             <a:fld id="{5E19E28C-3C9B-47CC-BCC7-69B5EB7D9F8A}" type="datetimeFigureOut">
               <a:rPr lang="ru-RU" smtClean="0"/>
-              <a:t>11.05.2021</a:t>
+              <a:t>12.05.2021</a:t>
             </a:fld>
             <a:endParaRPr lang="ru-RU"/>
           </a:p>
@@ -2369,7 +2369,7 @@
           <a:p>
             <a:fld id="{5E19E28C-3C9B-47CC-BCC7-69B5EB7D9F8A}" type="datetimeFigureOut">
               <a:rPr lang="ru-RU" smtClean="0"/>
-              <a:t>11.05.2021</a:t>
+              <a:t>12.05.2021</a:t>
             </a:fld>
             <a:endParaRPr lang="ru-RU"/>
           </a:p>
@@ -2582,7 +2582,7 @@
           <a:p>
             <a:fld id="{5E19E28C-3C9B-47CC-BCC7-69B5EB7D9F8A}" type="datetimeFigureOut">
               <a:rPr lang="ru-RU" smtClean="0"/>
-              <a:t>11.05.2021</a:t>
+              <a:t>12.05.2021</a:t>
             </a:fld>
             <a:endParaRPr lang="ru-RU"/>
           </a:p>
